--- a/Wizards_of_Dos.pptx
+++ b/Wizards_of_Dos.pptx
@@ -3424,8 +3424,12 @@
           <a:lstStyle/>
           <a:p>
             <a:r>
+              <a:rPr lang="en-US" smtClean="0"/>
+              <a:t>Fighters of </a:t>
+            </a:r>
+            <a:r>
               <a:rPr lang="en-US" dirty="0" smtClean="0"/>
-              <a:t>FIGHT</a:t>
+              <a:t>Dos</a:t>
             </a:r>
             <a:endParaRPr lang="en-US" dirty="0"/>
           </a:p>

--- a/Wizards_of_Dos.pptx
+++ b/Wizards_of_Dos.pptx
@@ -3424,12 +3424,8 @@
           <a:lstStyle/>
           <a:p>
             <a:r>
-              <a:rPr lang="en-US" smtClean="0"/>
-              <a:t>Fighters of </a:t>
-            </a:r>
-            <a:r>
               <a:rPr lang="en-US" dirty="0" smtClean="0"/>
-              <a:t>Dos</a:t>
+              <a:t>Fighters of Dos</a:t>
             </a:r>
             <a:endParaRPr lang="en-US" dirty="0"/>
           </a:p>
@@ -3659,9 +3655,16 @@
             <p:ph idx="1"/>
           </p:nvPr>
         </p:nvSpPr>
-        <p:spPr/>
-        <p:txBody>
-          <a:bodyPr/>
+        <p:spPr>
+          <a:xfrm>
+            <a:off x="457200" y="1600201"/>
+            <a:ext cx="3465699" cy="1658218"/>
+          </a:xfrm>
+        </p:spPr>
+        <p:txBody>
+          <a:bodyPr>
+            <a:normAutofit lnSpcReduction="10000"/>
+          </a:bodyPr>
           <a:lstStyle/>
           <a:p>
             <a:r>
@@ -3697,25 +3700,185 @@
             <a:endParaRPr lang="en-US" dirty="0"/>
           </a:p>
           <a:p>
-            <a:r>
-              <a:rPr lang="en-US" dirty="0" smtClean="0"/>
+            <a:endParaRPr lang="en-US" dirty="0"/>
+          </a:p>
+        </p:txBody>
+      </p:sp>
+      <p:pic>
+        <p:nvPicPr>
+          <p:cNvPr id="4" name="Picture 3" descr="Screenshot 2015-12-06 12.08.13.png"/>
+          <p:cNvPicPr>
+            <a:picLocks noChangeAspect="1"/>
+          </p:cNvPicPr>
+          <p:nvPr/>
+        </p:nvPicPr>
+        <p:blipFill>
+          <a:blip r:embed="rId2">
+            <a:extLst>
+              <a:ext uri="{28A0092B-C50C-407E-A947-70E740481C1C}">
+                <a14:useLocalDpi xmlns:a14="http://schemas.microsoft.com/office/drawing/2010/main" val="0"/>
+              </a:ext>
+            </a:extLst>
+          </a:blip>
+          <a:stretch>
+            <a:fillRect/>
+          </a:stretch>
+        </p:blipFill>
+        <p:spPr>
+          <a:xfrm>
+            <a:off x="662155" y="3281287"/>
+            <a:ext cx="1746432" cy="3047827"/>
+          </a:xfrm>
+          <a:prstGeom prst="rect">
+            <a:avLst/>
+          </a:prstGeom>
+        </p:spPr>
+      </p:pic>
+      <p:pic>
+        <p:nvPicPr>
+          <p:cNvPr id="5" name="Picture 4" descr="Screenshot 2015-12-06 12.08.39.png"/>
+          <p:cNvPicPr>
+            <a:picLocks noChangeAspect="1"/>
+          </p:cNvPicPr>
+          <p:nvPr/>
+        </p:nvPicPr>
+        <p:blipFill>
+          <a:blip r:embed="rId3">
+            <a:extLst>
+              <a:ext uri="{28A0092B-C50C-407E-A947-70E740481C1C}">
+                <a14:useLocalDpi xmlns:a14="http://schemas.microsoft.com/office/drawing/2010/main" val="0"/>
+              </a:ext>
+            </a:extLst>
+          </a:blip>
+          <a:stretch>
+            <a:fillRect/>
+          </a:stretch>
+        </p:blipFill>
+        <p:spPr>
+          <a:xfrm>
+            <a:off x="6803375" y="3264715"/>
+            <a:ext cx="1666858" cy="3064399"/>
+          </a:xfrm>
+          <a:prstGeom prst="rect">
+            <a:avLst/>
+          </a:prstGeom>
+        </p:spPr>
+      </p:pic>
+      <p:pic>
+        <p:nvPicPr>
+          <p:cNvPr id="6" name="Picture 5" descr="Screenshot 2015-12-06 12.09.35.png"/>
+          <p:cNvPicPr>
+            <a:picLocks noChangeAspect="1"/>
+          </p:cNvPicPr>
+          <p:nvPr/>
+        </p:nvPicPr>
+        <p:blipFill>
+          <a:blip r:embed="rId4">
+            <a:extLst>
+              <a:ext uri="{28A0092B-C50C-407E-A947-70E740481C1C}">
+                <a14:useLocalDpi xmlns:a14="http://schemas.microsoft.com/office/drawing/2010/main" val="0"/>
+              </a:ext>
+            </a:extLst>
+          </a:blip>
+          <a:stretch>
+            <a:fillRect/>
+          </a:stretch>
+        </p:blipFill>
+        <p:spPr>
+          <a:xfrm>
+            <a:off x="4501404" y="3258418"/>
+            <a:ext cx="1963056" cy="3093566"/>
+          </a:xfrm>
+          <a:prstGeom prst="rect">
+            <a:avLst/>
+          </a:prstGeom>
+        </p:spPr>
+      </p:pic>
+      <p:pic>
+        <p:nvPicPr>
+          <p:cNvPr id="7" name="Picture 6" descr="Screenshot 2015-12-06 12.10.26.png"/>
+          <p:cNvPicPr>
+            <a:picLocks noChangeAspect="1"/>
+          </p:cNvPicPr>
+          <p:nvPr/>
+        </p:nvPicPr>
+        <p:blipFill>
+          <a:blip r:embed="rId5">
+            <a:extLst>
+              <a:ext uri="{28A0092B-C50C-407E-A947-70E740481C1C}">
+                <a14:useLocalDpi xmlns:a14="http://schemas.microsoft.com/office/drawing/2010/main" val="0"/>
+              </a:ext>
+            </a:extLst>
+          </a:blip>
+          <a:stretch>
+            <a:fillRect/>
+          </a:stretch>
+        </p:blipFill>
+        <p:spPr>
+          <a:xfrm>
+            <a:off x="2660054" y="3281287"/>
+            <a:ext cx="1413585" cy="3047827"/>
+          </a:xfrm>
+          <a:prstGeom prst="rect">
+            <a:avLst/>
+          </a:prstGeom>
+        </p:spPr>
+      </p:pic>
+      <p:sp>
+        <p:nvSpPr>
+          <p:cNvPr id="8" name="Rectangle 7"/>
+          <p:cNvSpPr/>
+          <p:nvPr/>
+        </p:nvSpPr>
+        <p:spPr>
+          <a:xfrm>
+            <a:off x="4373183" y="1797875"/>
+            <a:ext cx="4313617" cy="923330"/>
+          </a:xfrm>
+          <a:prstGeom prst="rect">
+            <a:avLst/>
+          </a:prstGeom>
+        </p:spPr>
+        <p:txBody>
+          <a:bodyPr wrap="square">
+            <a:spAutoFit/>
+          </a:bodyPr>
+          <a:lstStyle/>
+          <a:p>
+            <a:pPr marL="285750" indent="-285750">
+              <a:buFont typeface="Arial"/>
+              <a:buChar char="•"/>
+            </a:pPr>
+            <a:r>
+              <a:rPr lang="en-US" dirty="0">
+                <a:latin typeface="+mj-lt"/>
+              </a:rPr>
               <a:t>3 attacks</a:t>
             </a:r>
           </a:p>
           <a:p>
-            <a:r>
-              <a:rPr lang="en-US" dirty="0" smtClean="0"/>
+            <a:pPr marL="285750" indent="-285750">
+              <a:buFont typeface="Arial"/>
+              <a:buChar char="•"/>
+            </a:pPr>
+            <a:r>
+              <a:rPr lang="en-US" dirty="0">
+                <a:latin typeface="+mj-lt"/>
+              </a:rPr>
               <a:t>Walk, Run, Jump, Attack</a:t>
             </a:r>
           </a:p>
           <a:p>
-            <a:r>
-              <a:rPr lang="en-US" dirty="0" smtClean="0"/>
+            <a:pPr marL="285750" indent="-285750">
+              <a:buFont typeface="Arial"/>
+              <a:buChar char="•"/>
+            </a:pPr>
+            <a:r>
+              <a:rPr lang="en-US" dirty="0">
+                <a:latin typeface="+mj-lt"/>
+              </a:rPr>
               <a:t>Ragdoll</a:t>
             </a:r>
-          </a:p>
-          <a:p>
-            <a:endParaRPr lang="en-US" dirty="0"/>
           </a:p>
         </p:txBody>
       </p:sp>

--- a/Wizards_of_Dos.pptx
+++ b/Wizards_of_Dos.pptx
@@ -3968,15 +3968,13 @@
             <a:pPr lvl="1"/>
             <a:r>
               <a:rPr lang="en-US" dirty="0" smtClean="0"/>
-              <a:t>Ground disappears and drops out over time.</a:t>
-            </a:r>
-          </a:p>
-          <a:p>
-            <a:pPr lvl="1"/>
-            <a:r>
-              <a:rPr lang="en-US" dirty="0" smtClean="0"/>
-              <a:t>Fireballs </a:t>
-            </a:r>
+              <a:t>Ground disappears and drops out over </a:t>
+            </a:r>
+            <a:r>
+              <a:rPr lang="en-US" smtClean="0"/>
+              <a:t>time.</a:t>
+            </a:r>
+            <a:endParaRPr lang="en-US" dirty="0" smtClean="0"/>
           </a:p>
           <a:p>
             <a:r>

--- a/Wizards_of_Dos.pptx
+++ b/Wizards_of_Dos.pptx
@@ -9,7 +9,7 @@
     <p:sldId id="260" r:id="rId3"/>
     <p:sldId id="257" r:id="rId4"/>
     <p:sldId id="258" r:id="rId5"/>
-    <p:sldId id="259" r:id="rId6"/>
+    <p:sldId id="262" r:id="rId6"/>
     <p:sldId id="261" r:id="rId7"/>
   </p:sldIdLst>
   <p:sldSz cx="9144000" cy="6858000" type="screen4x3"/>
@@ -3459,8 +3459,8 @@
               <a:t>Lanssie Ma, Timothy Storm, Nate </a:t>
             </a:r>
             <a:r>
-              <a:rPr lang="en-US" dirty="0" err="1" smtClean="0"/>
-              <a:t>Zhiran</a:t>
+              <a:rPr lang="en-US" smtClean="0"/>
+              <a:t>Ziran</a:t>
             </a:r>
             <a:r>
               <a:rPr lang="en-US" dirty="0" smtClean="0"/>
@@ -3571,16 +3571,30 @@
             </a:r>
           </a:p>
           <a:p>
+            <a:pPr marL="0" indent="0">
+              <a:buNone/>
+            </a:pPr>
+            <a:endParaRPr lang="en-US" dirty="0" smtClean="0"/>
+          </a:p>
+          <a:p>
             <a:r>
               <a:rPr lang="en-US" dirty="0" smtClean="0"/>
               <a:t>2 players at a time</a:t>
             </a:r>
           </a:p>
           <a:p>
+            <a:pPr marL="0" indent="0">
+              <a:buNone/>
+            </a:pPr>
+            <a:endParaRPr lang="en-US" dirty="0" smtClean="0"/>
+          </a:p>
+          <a:p>
             <a:r>
               <a:rPr lang="en-US" dirty="0" smtClean="0"/>
               <a:t>Goal is to beat the other player while taking advantage of the pros and cons of the stages.</a:t>
             </a:r>
+          </a:p>
+          <a:p>
             <a:endParaRPr lang="en-US" dirty="0"/>
           </a:p>
         </p:txBody>
@@ -3955,7 +3969,7 @@
         <p:spPr/>
         <p:txBody>
           <a:bodyPr>
-            <a:normAutofit/>
+            <a:normAutofit lnSpcReduction="10000"/>
           </a:bodyPr>
           <a:lstStyle/>
           <a:p>
@@ -3968,13 +3982,8 @@
             <a:pPr lvl="1"/>
             <a:r>
               <a:rPr lang="en-US" dirty="0" smtClean="0"/>
-              <a:t>Ground disappears and drops out over </a:t>
-            </a:r>
-            <a:r>
-              <a:rPr lang="en-US" smtClean="0"/>
-              <a:t>time.</a:t>
-            </a:r>
-            <a:endParaRPr lang="en-US" dirty="0" smtClean="0"/>
+              <a:t>Ground disappears and drops out over time.</a:t>
+            </a:r>
           </a:p>
           <a:p>
             <a:r>
@@ -4035,6 +4044,21 @@
               <a:rPr lang="en-US" dirty="0" smtClean="0"/>
               <a:t>Center tree generates once in a while and acts as a safe haven temporarily.</a:t>
             </a:r>
+          </a:p>
+          <a:p>
+            <a:pPr lvl="1"/>
+            <a:r>
+              <a:rPr lang="en-US" dirty="0" smtClean="0"/>
+              <a:t>Spiders:</a:t>
+            </a:r>
+          </a:p>
+          <a:p>
+            <a:pPr lvl="2"/>
+            <a:r>
+              <a:rPr lang="en-US" dirty="0"/>
+              <a:t>Spawn and attack players. </a:t>
+            </a:r>
+            <a:endParaRPr lang="en-US" dirty="0" smtClean="0"/>
           </a:p>
           <a:p>
             <a:pPr lvl="1"/>
@@ -4096,7 +4120,7 @@
           <a:p>
             <a:r>
               <a:rPr lang="en-US" dirty="0" smtClean="0"/>
-              <a:t>AI</a:t>
+              <a:t>Fighting</a:t>
             </a:r>
             <a:endParaRPr lang="en-US" dirty="0"/>
           </a:p>
@@ -4117,36 +4141,6 @@
           <a:bodyPr/>
           <a:lstStyle/>
           <a:p>
-            <a:r>
-              <a:rPr lang="en-US" dirty="0" smtClean="0"/>
-              <a:t>Fireballs</a:t>
-            </a:r>
-          </a:p>
-          <a:p>
-            <a:pPr lvl="1"/>
-            <a:r>
-              <a:rPr lang="en-US" dirty="0" smtClean="0"/>
-              <a:t>Spawn and seek players to attack them</a:t>
-            </a:r>
-          </a:p>
-          <a:p>
-            <a:pPr marL="457200" lvl="1" indent="0">
-              <a:buNone/>
-            </a:pPr>
-            <a:endParaRPr lang="en-US" dirty="0" smtClean="0"/>
-          </a:p>
-          <a:p>
-            <a:r>
-              <a:rPr lang="en-US" dirty="0" smtClean="0"/>
-              <a:t>Spiders</a:t>
-            </a:r>
-          </a:p>
-          <a:p>
-            <a:pPr lvl="1"/>
-            <a:r>
-              <a:rPr lang="en-US" dirty="0" smtClean="0"/>
-              <a:t>Spawn and attack players. </a:t>
-            </a:r>
             <a:endParaRPr lang="en-US" dirty="0"/>
           </a:p>
         </p:txBody>
@@ -4154,7 +4148,7 @@
     </p:spTree>
     <p:extLst>
       <p:ext uri="{BB962C8B-B14F-4D97-AF65-F5344CB8AC3E}">
-        <p14:creationId xmlns:p14="http://schemas.microsoft.com/office/powerpoint/2010/main" val="901118191"/>
+        <p14:creationId xmlns:p14="http://schemas.microsoft.com/office/powerpoint/2010/main" val="4029457564"/>
       </p:ext>
     </p:extLst>
   </p:cSld>
